--- a/HS.pptx
+++ b/HS.pptx
@@ -8013,7 +8013,12 @@
             <p:ph idx="1"/>
           </p:nvPr>
         </p:nvSpPr>
-        <p:spPr/>
+        <p:spPr>
+          <a:xfrm>
+            <a:off x="680321" y="2336873"/>
+            <a:ext cx="9801591" cy="3599316"/>
+          </a:xfrm>
+        </p:spPr>
         <p:txBody>
           <a:bodyPr>
             <a:normAutofit/>
@@ -8090,7 +8095,7 @@
             </a:r>
             <a:r>
               <a:rPr lang="en-US" altLang="zh-TW" dirty="0" err="1" smtClean="0"/>
-              <a:t>VsCode</a:t>
+              <a:t>VSCode</a:t>
             </a:r>
             <a:r>
               <a:rPr lang="zh-TW" altLang="en-US" dirty="0"/>
